--- a/文档/工程文档/第三次会议.pptx
+++ b/文档/工程文档/第三次会议.pptx
@@ -114,6 +114,11 @@
       </a:defRPr>
     </a:lvl9pPr>
   </p:defaultTextStyle>
+  <p:extLst>
+    <p:ext uri="{EFAFB233-063F-42B5-8137-9DF3F51BA10A}">
+      <p15:sldGuideLst xmlns:p15="http://schemas.microsoft.com/office/powerpoint/2012/main"/>
+    </p:ext>
+  </p:extLst>
 </p:presentation>
 </file>
 
@@ -199,7 +204,7 @@
           <a:p>
             <a:fld id="{E7448C03-1B84-4874-A1F1-985967491D07}" type="datetimeFigureOut">
               <a:rPr lang="zh-CN" altLang="en-US" smtClean="0"/>
-              <a:t>2021/3/4</a:t>
+              <a:t>2021/3/7</a:t>
             </a:fld>
             <a:endParaRPr lang="zh-CN" altLang="en-US"/>
           </a:p>
@@ -697,7 +702,7 @@
           <a:p>
             <a:fld id="{18C4DF40-1060-4ADD-AD49-2838E4D0E662}" type="datetimeFigureOut">
               <a:rPr lang="zh-CN" altLang="en-US" smtClean="0"/>
-              <a:t>2021/3/4</a:t>
+              <a:t>2021/3/7</a:t>
             </a:fld>
             <a:endParaRPr lang="zh-CN" altLang="en-US"/>
           </a:p>
@@ -895,7 +900,7 @@
           <a:p>
             <a:fld id="{18C4DF40-1060-4ADD-AD49-2838E4D0E662}" type="datetimeFigureOut">
               <a:rPr lang="zh-CN" altLang="en-US" smtClean="0"/>
-              <a:t>2021/3/4</a:t>
+              <a:t>2021/3/7</a:t>
             </a:fld>
             <a:endParaRPr lang="zh-CN" altLang="en-US"/>
           </a:p>
@@ -1103,7 +1108,7 @@
           <a:p>
             <a:fld id="{18C4DF40-1060-4ADD-AD49-2838E4D0E662}" type="datetimeFigureOut">
               <a:rPr lang="zh-CN" altLang="en-US" smtClean="0"/>
-              <a:t>2021/3/4</a:t>
+              <a:t>2021/3/7</a:t>
             </a:fld>
             <a:endParaRPr lang="zh-CN" altLang="en-US"/>
           </a:p>
@@ -1301,7 +1306,7 @@
           <a:p>
             <a:fld id="{18C4DF40-1060-4ADD-AD49-2838E4D0E662}" type="datetimeFigureOut">
               <a:rPr lang="zh-CN" altLang="en-US" smtClean="0"/>
-              <a:t>2021/3/4</a:t>
+              <a:t>2021/3/7</a:t>
             </a:fld>
             <a:endParaRPr lang="zh-CN" altLang="en-US"/>
           </a:p>
@@ -1576,7 +1581,7 @@
           <a:p>
             <a:fld id="{18C4DF40-1060-4ADD-AD49-2838E4D0E662}" type="datetimeFigureOut">
               <a:rPr lang="zh-CN" altLang="en-US" smtClean="0"/>
-              <a:t>2021/3/4</a:t>
+              <a:t>2021/3/7</a:t>
             </a:fld>
             <a:endParaRPr lang="zh-CN" altLang="en-US"/>
           </a:p>
@@ -1841,7 +1846,7 @@
           <a:p>
             <a:fld id="{18C4DF40-1060-4ADD-AD49-2838E4D0E662}" type="datetimeFigureOut">
               <a:rPr lang="zh-CN" altLang="en-US" smtClean="0"/>
-              <a:t>2021/3/4</a:t>
+              <a:t>2021/3/7</a:t>
             </a:fld>
             <a:endParaRPr lang="zh-CN" altLang="en-US"/>
           </a:p>
@@ -2253,7 +2258,7 @@
           <a:p>
             <a:fld id="{18C4DF40-1060-4ADD-AD49-2838E4D0E662}" type="datetimeFigureOut">
               <a:rPr lang="zh-CN" altLang="en-US" smtClean="0"/>
-              <a:t>2021/3/4</a:t>
+              <a:t>2021/3/7</a:t>
             </a:fld>
             <a:endParaRPr lang="zh-CN" altLang="en-US"/>
           </a:p>
@@ -2394,7 +2399,7 @@
           <a:p>
             <a:fld id="{18C4DF40-1060-4ADD-AD49-2838E4D0E662}" type="datetimeFigureOut">
               <a:rPr lang="zh-CN" altLang="en-US" smtClean="0"/>
-              <a:t>2021/3/4</a:t>
+              <a:t>2021/3/7</a:t>
             </a:fld>
             <a:endParaRPr lang="zh-CN" altLang="en-US"/>
           </a:p>
@@ -2507,7 +2512,7 @@
           <a:p>
             <a:fld id="{18C4DF40-1060-4ADD-AD49-2838E4D0E662}" type="datetimeFigureOut">
               <a:rPr lang="zh-CN" altLang="en-US" smtClean="0"/>
-              <a:t>2021/3/4</a:t>
+              <a:t>2021/3/7</a:t>
             </a:fld>
             <a:endParaRPr lang="zh-CN" altLang="en-US"/>
           </a:p>
@@ -2818,7 +2823,7 @@
           <a:p>
             <a:fld id="{18C4DF40-1060-4ADD-AD49-2838E4D0E662}" type="datetimeFigureOut">
               <a:rPr lang="zh-CN" altLang="en-US" smtClean="0"/>
-              <a:t>2021/3/4</a:t>
+              <a:t>2021/3/7</a:t>
             </a:fld>
             <a:endParaRPr lang="zh-CN" altLang="en-US"/>
           </a:p>
@@ -3106,7 +3111,7 @@
           <a:p>
             <a:fld id="{18C4DF40-1060-4ADD-AD49-2838E4D0E662}" type="datetimeFigureOut">
               <a:rPr lang="zh-CN" altLang="en-US" smtClean="0"/>
-              <a:t>2021/3/4</a:t>
+              <a:t>2021/3/7</a:t>
             </a:fld>
             <a:endParaRPr lang="zh-CN" altLang="en-US"/>
           </a:p>
@@ -3347,7 +3352,7 @@
           <a:p>
             <a:fld id="{18C4DF40-1060-4ADD-AD49-2838E4D0E662}" type="datetimeFigureOut">
               <a:rPr lang="zh-CN" altLang="en-US" smtClean="0"/>
-              <a:t>2021/3/4</a:t>
+              <a:t>2021/3/7</a:t>
             </a:fld>
             <a:endParaRPr lang="zh-CN" altLang="en-US"/>
           </a:p>
@@ -3991,7 +3996,7 @@
         </p:blipFill>
         <p:spPr>
           <a:xfrm>
-            <a:off x="5354425" y="653257"/>
+            <a:off x="5764735" y="720725"/>
             <a:ext cx="2124075" cy="2209800"/>
           </a:xfrm>
           <a:prstGeom prst="rect">
@@ -4020,7 +4025,7 @@
         </p:blipFill>
         <p:spPr>
           <a:xfrm>
-            <a:off x="5354425" y="3259466"/>
+            <a:off x="5335571" y="3286125"/>
             <a:ext cx="2788909" cy="3419475"/>
           </a:xfrm>
           <a:prstGeom prst="rect">
@@ -4102,7 +4107,12 @@
             <p:ph idx="1"/>
           </p:nvPr>
         </p:nvSpPr>
-        <p:spPr/>
+        <p:spPr>
+          <a:xfrm>
+            <a:off x="461913" y="1809946"/>
+            <a:ext cx="10891887" cy="4367017"/>
+          </a:xfrm>
+        </p:spPr>
         <p:txBody>
           <a:bodyPr/>
           <a:lstStyle/>
@@ -4149,7 +4159,7 @@
             </a:r>
             <a:r>
               <a:rPr lang="en-US" altLang="zh-CN" dirty="0"/>
-              <a:t>:</a:t>
+              <a:t>:,</a:t>
             </a:r>
             <a:r>
               <a:rPr lang="zh-CN" altLang="en-US" dirty="0"/>
@@ -4966,7 +4976,17 @@
           <a:bodyPr/>
           <a:lstStyle/>
           <a:p>
-            <a:endParaRPr lang="zh-CN" altLang="en-US" dirty="0"/>
+            <a:r>
+              <a:rPr lang="en-US" altLang="zh-CN" dirty="0" err="1"/>
+              <a:t>Po:persisitant</a:t>
+            </a:r>
+            <a:r>
+              <a:rPr lang="en-US" altLang="zh-CN" dirty="0"/>
+              <a:t> object;</a:t>
+            </a:r>
+          </a:p>
+          <a:p>
+            <a:endParaRPr lang="en-US" altLang="zh-CN" dirty="0"/>
           </a:p>
         </p:txBody>
       </p:sp>

--- a/文档/工程文档/第三次会议.pptx
+++ b/文档/工程文档/第三次会议.pptx
@@ -204,7 +204,7 @@
           <a:p>
             <a:fld id="{E7448C03-1B84-4874-A1F1-985967491D07}" type="datetimeFigureOut">
               <a:rPr lang="zh-CN" altLang="en-US" smtClean="0"/>
-              <a:t>2021/3/7</a:t>
+              <a:t>2021/3/8</a:t>
             </a:fld>
             <a:endParaRPr lang="zh-CN" altLang="en-US"/>
           </a:p>
@@ -702,7 +702,7 @@
           <a:p>
             <a:fld id="{18C4DF40-1060-4ADD-AD49-2838E4D0E662}" type="datetimeFigureOut">
               <a:rPr lang="zh-CN" altLang="en-US" smtClean="0"/>
-              <a:t>2021/3/7</a:t>
+              <a:t>2021/3/8</a:t>
             </a:fld>
             <a:endParaRPr lang="zh-CN" altLang="en-US"/>
           </a:p>
@@ -900,7 +900,7 @@
           <a:p>
             <a:fld id="{18C4DF40-1060-4ADD-AD49-2838E4D0E662}" type="datetimeFigureOut">
               <a:rPr lang="zh-CN" altLang="en-US" smtClean="0"/>
-              <a:t>2021/3/7</a:t>
+              <a:t>2021/3/8</a:t>
             </a:fld>
             <a:endParaRPr lang="zh-CN" altLang="en-US"/>
           </a:p>
@@ -1108,7 +1108,7 @@
           <a:p>
             <a:fld id="{18C4DF40-1060-4ADD-AD49-2838E4D0E662}" type="datetimeFigureOut">
               <a:rPr lang="zh-CN" altLang="en-US" smtClean="0"/>
-              <a:t>2021/3/7</a:t>
+              <a:t>2021/3/8</a:t>
             </a:fld>
             <a:endParaRPr lang="zh-CN" altLang="en-US"/>
           </a:p>
@@ -1306,7 +1306,7 @@
           <a:p>
             <a:fld id="{18C4DF40-1060-4ADD-AD49-2838E4D0E662}" type="datetimeFigureOut">
               <a:rPr lang="zh-CN" altLang="en-US" smtClean="0"/>
-              <a:t>2021/3/7</a:t>
+              <a:t>2021/3/8</a:t>
             </a:fld>
             <a:endParaRPr lang="zh-CN" altLang="en-US"/>
           </a:p>
@@ -1581,7 +1581,7 @@
           <a:p>
             <a:fld id="{18C4DF40-1060-4ADD-AD49-2838E4D0E662}" type="datetimeFigureOut">
               <a:rPr lang="zh-CN" altLang="en-US" smtClean="0"/>
-              <a:t>2021/3/7</a:t>
+              <a:t>2021/3/8</a:t>
             </a:fld>
             <a:endParaRPr lang="zh-CN" altLang="en-US"/>
           </a:p>
@@ -1846,7 +1846,7 @@
           <a:p>
             <a:fld id="{18C4DF40-1060-4ADD-AD49-2838E4D0E662}" type="datetimeFigureOut">
               <a:rPr lang="zh-CN" altLang="en-US" smtClean="0"/>
-              <a:t>2021/3/7</a:t>
+              <a:t>2021/3/8</a:t>
             </a:fld>
             <a:endParaRPr lang="zh-CN" altLang="en-US"/>
           </a:p>
@@ -2258,7 +2258,7 @@
           <a:p>
             <a:fld id="{18C4DF40-1060-4ADD-AD49-2838E4D0E662}" type="datetimeFigureOut">
               <a:rPr lang="zh-CN" altLang="en-US" smtClean="0"/>
-              <a:t>2021/3/7</a:t>
+              <a:t>2021/3/8</a:t>
             </a:fld>
             <a:endParaRPr lang="zh-CN" altLang="en-US"/>
           </a:p>
@@ -2399,7 +2399,7 @@
           <a:p>
             <a:fld id="{18C4DF40-1060-4ADD-AD49-2838E4D0E662}" type="datetimeFigureOut">
               <a:rPr lang="zh-CN" altLang="en-US" smtClean="0"/>
-              <a:t>2021/3/7</a:t>
+              <a:t>2021/3/8</a:t>
             </a:fld>
             <a:endParaRPr lang="zh-CN" altLang="en-US"/>
           </a:p>
@@ -2512,7 +2512,7 @@
           <a:p>
             <a:fld id="{18C4DF40-1060-4ADD-AD49-2838E4D0E662}" type="datetimeFigureOut">
               <a:rPr lang="zh-CN" altLang="en-US" smtClean="0"/>
-              <a:t>2021/3/7</a:t>
+              <a:t>2021/3/8</a:t>
             </a:fld>
             <a:endParaRPr lang="zh-CN" altLang="en-US"/>
           </a:p>
@@ -2823,7 +2823,7 @@
           <a:p>
             <a:fld id="{18C4DF40-1060-4ADD-AD49-2838E4D0E662}" type="datetimeFigureOut">
               <a:rPr lang="zh-CN" altLang="en-US" smtClean="0"/>
-              <a:t>2021/3/7</a:t>
+              <a:t>2021/3/8</a:t>
             </a:fld>
             <a:endParaRPr lang="zh-CN" altLang="en-US"/>
           </a:p>
@@ -3111,7 +3111,7 @@
           <a:p>
             <a:fld id="{18C4DF40-1060-4ADD-AD49-2838E4D0E662}" type="datetimeFigureOut">
               <a:rPr lang="zh-CN" altLang="en-US" smtClean="0"/>
-              <a:t>2021/3/7</a:t>
+              <a:t>2021/3/8</a:t>
             </a:fld>
             <a:endParaRPr lang="zh-CN" altLang="en-US"/>
           </a:p>
@@ -3352,7 +3352,7 @@
           <a:p>
             <a:fld id="{18C4DF40-1060-4ADD-AD49-2838E4D0E662}" type="datetimeFigureOut">
               <a:rPr lang="zh-CN" altLang="en-US" smtClean="0"/>
-              <a:t>2021/3/7</a:t>
+              <a:t>2021/3/8</a:t>
             </a:fld>
             <a:endParaRPr lang="zh-CN" altLang="en-US"/>
           </a:p>
@@ -4025,7 +4025,7 @@
         </p:blipFill>
         <p:spPr>
           <a:xfrm>
-            <a:off x="5335571" y="3286125"/>
+            <a:off x="5432317" y="3286125"/>
             <a:ext cx="2788909" cy="3419475"/>
           </a:xfrm>
           <a:prstGeom prst="rect">
